--- a/6.7201 Poster.pptx
+++ b/6.7201 Poster.pptx
@@ -2841,7 +2841,7 @@
         </p:nvSpPr>
         <p:spPr>
           <a:xfrm>
-            <a:off x="422031" y="1"/>
+            <a:off x="377982" y="0"/>
             <a:ext cx="32074338" cy="21945602"/>
           </a:xfrm>
           <a:prstGeom prst="rect">
@@ -3528,7 +3528,7 @@
         </p:nvSpPr>
         <p:spPr>
           <a:xfrm flipV="1">
-            <a:off x="593100" y="3593407"/>
+            <a:off x="593100" y="3634887"/>
             <a:ext cx="31644102" cy="16481913"/>
           </a:xfrm>
           <a:prstGeom prst="round1Rect">
@@ -4137,7 +4137,7 @@
         <p:spPr>
           <a:xfrm>
             <a:off x="830241" y="4709535"/>
-            <a:ext cx="10628729" cy="2308324"/>
+            <a:ext cx="10628729" cy="3539430"/>
           </a:xfrm>
           <a:prstGeom prst="rect">
             <a:avLst/>
@@ -4150,18 +4150,59 @@
           </a:bodyPr>
           <a:lstStyle/>
           <a:p>
-            <a:r>
-              <a:rPr lang="en-US" sz="3600" dirty="0"/>
-              <a:t>We formulated and implemented a binary optimization problem that returns the optimal pit stop strategy and </a:t>
-            </a:r>
-            <a:r>
-              <a:rPr lang="en-US" sz="3600" dirty="0" err="1"/>
+            <a:pPr marL="571500" indent="-571500">
+              <a:buFont typeface="Arial" panose="020B0604020202020204" pitchFamily="34" charset="0"/>
+              <a:buChar char="•"/>
+            </a:pPr>
+            <a:r>
+              <a:rPr lang="en-US" sz="2800" dirty="0"/>
+              <a:t>We formulated and implemented a binary optimization problem that minimizes the sprint duration time of a Formula One racing session.</a:t>
+            </a:r>
+          </a:p>
+          <a:p>
+            <a:pPr marL="571500" indent="-571500">
+              <a:buFont typeface="Arial" panose="020B0604020202020204" pitchFamily="34" charset="0"/>
+              <a:buChar char="•"/>
+            </a:pPr>
+            <a:r>
+              <a:rPr lang="en-US" sz="2800" dirty="0"/>
+              <a:t>The output is an optimal pit stop strategy and </a:t>
+            </a:r>
+            <a:r>
+              <a:rPr lang="en-US" sz="2800" dirty="0" err="1"/>
               <a:t>tyre</a:t>
             </a:r>
             <a:r>
-              <a:rPr lang="en-US" sz="3600" dirty="0"/>
-              <a:t> choice that minimizes the sprint duration time of a Formula One racing session. </a:t>
-            </a:r>
+              <a:rPr lang="en-US" sz="2800" dirty="0"/>
+              <a:t> choice that minimizes the sprint duration time of a Formula One racing session.</a:t>
+            </a:r>
+          </a:p>
+          <a:p>
+            <a:pPr marL="571500" indent="-571500">
+              <a:buFont typeface="Arial" panose="020B0604020202020204" pitchFamily="34" charset="0"/>
+              <a:buChar char="•"/>
+            </a:pPr>
+            <a:r>
+              <a:rPr lang="en-US" sz="2800" dirty="0"/>
+              <a:t>We tested it for two drivers in the 2022 Hungary, Budapest and found that an optimal schedule will shorten their sprint duration.</a:t>
+            </a:r>
+          </a:p>
+          <a:p>
+            <a:pPr marL="571500" indent="-571500">
+              <a:buFont typeface="Arial" panose="020B0604020202020204" pitchFamily="34" charset="0"/>
+              <a:buChar char="•"/>
+            </a:pPr>
+            <a:r>
+              <a:rPr lang="en-US" sz="2800" dirty="0"/>
+              <a:t>The optimization problem has </a:t>
+            </a:r>
+          </a:p>
+          <a:p>
+            <a:pPr marL="571500" indent="-571500">
+              <a:buFont typeface="Arial" panose="020B0604020202020204" pitchFamily="34" charset="0"/>
+              <a:buChar char="•"/>
+            </a:pPr>
+            <a:endParaRPr lang="en-US" sz="2800" dirty="0"/>
           </a:p>
         </p:txBody>
       </p:sp>
@@ -4179,8 +4220,8 @@
         </p:nvSpPr>
         <p:spPr>
           <a:xfrm>
-            <a:off x="830241" y="15316200"/>
-            <a:ext cx="10512489" cy="3970318"/>
+            <a:off x="649694" y="14742440"/>
+            <a:ext cx="10512489" cy="5078313"/>
           </a:xfrm>
           <a:prstGeom prst="rect">
             <a:avLst/>
@@ -4199,7 +4240,7 @@
             </a:pPr>
             <a:r>
               <a:rPr lang="en-US" sz="3600" dirty="0"/>
-              <a:t>To increase our chance of winning a race, or at the very least ranking higher in a race session</a:t>
+              <a:t>To increase our chance of winning a race, or at least rank as high as possible.</a:t>
             </a:r>
           </a:p>
           <a:p>
@@ -4209,7 +4250,7 @@
             </a:pPr>
             <a:r>
               <a:rPr lang="en-US" sz="3600" dirty="0"/>
-              <a:t>To increase our chance of placing higher in the qualifying session to gain an advantage in the actual race</a:t>
+              <a:t>To increase our chance of placing higher in the qualifying session to gain an advantage in the actual race.</a:t>
             </a:r>
           </a:p>
           <a:p>
@@ -4219,7 +4260,17 @@
             </a:pPr>
             <a:r>
               <a:rPr lang="en-US" sz="3600" dirty="0"/>
-              <a:t>Sponsorship money</a:t>
+              <a:t>Enumerating choices is too slow – billions of choices to evaluate!</a:t>
+            </a:r>
+          </a:p>
+          <a:p>
+            <a:pPr marL="571500" indent="-571500">
+              <a:buFont typeface="Arial" panose="020B0604020202020204" pitchFamily="34" charset="0"/>
+              <a:buChar char="•"/>
+            </a:pPr>
+            <a:r>
+              <a:rPr lang="en-US" sz="3600" dirty="0"/>
+              <a:t>Sponsorship money.</a:t>
             </a:r>
           </a:p>
           <a:p>
@@ -4248,8 +4299,8 @@
         </p:nvSpPr>
         <p:spPr>
           <a:xfrm>
-            <a:off x="803202" y="8893582"/>
-            <a:ext cx="10635413" cy="1754326"/>
+            <a:off x="745027" y="8793424"/>
+            <a:ext cx="10635413" cy="5940088"/>
           </a:xfrm>
           <a:prstGeom prst="rect">
             <a:avLst/>
@@ -4267,8 +4318,8 @@
               <a:buChar char="•"/>
             </a:pPr>
             <a:r>
-              <a:rPr lang="en-US" sz="3600" dirty="0"/>
-              <a:t>Minimize the sprint duration</a:t>
+              <a:rPr lang="en-US" sz="2800" dirty="0"/>
+              <a:t>Objective: Minimize the sprint duration </a:t>
             </a:r>
           </a:p>
           <a:p>
@@ -4277,8 +4328,44 @@
               <a:buChar char="•"/>
             </a:pPr>
             <a:r>
-              <a:rPr lang="en-US" sz="3600" dirty="0"/>
-              <a:t>Enforce no pit stops for lap 1 </a:t>
+              <a:rPr lang="en-US" sz="2800" dirty="0"/>
+              <a:t>Decisions:</a:t>
+            </a:r>
+          </a:p>
+          <a:p>
+            <a:pPr marL="2139034" lvl="1" indent="-571500">
+              <a:buFont typeface="Arial" panose="020B0604020202020204" pitchFamily="34" charset="0"/>
+              <a:buChar char="•"/>
+            </a:pPr>
+            <a:r>
+              <a:rPr lang="en-US" sz="2800" dirty="0"/>
+              <a:t>Choice to pit stop for 22 seconds after every lap</a:t>
+            </a:r>
+          </a:p>
+          <a:p>
+            <a:pPr marL="2139034" lvl="1" indent="-571500">
+              <a:buFont typeface="Arial" panose="020B0604020202020204" pitchFamily="34" charset="0"/>
+              <a:buChar char="•"/>
+            </a:pPr>
+            <a:r>
+              <a:rPr lang="en-US" sz="2800" dirty="0"/>
+              <a:t>Choice of </a:t>
+            </a:r>
+            <a:r>
+              <a:rPr lang="en-US" sz="2800" dirty="0" err="1"/>
+              <a:t>tyres</a:t>
+            </a:r>
+            <a:r>
+              <a:rPr lang="en-US" sz="2800" dirty="0"/>
+              <a:t> from a set of available </a:t>
+            </a:r>
+            <a:r>
+              <a:rPr lang="en-US" sz="2800" dirty="0" err="1"/>
+              <a:t>tyres</a:t>
+            </a:r>
+            <a:r>
+              <a:rPr lang="en-US" sz="2800" dirty="0"/>
+              <a:t> to replace during a pit stop</a:t>
             </a:r>
           </a:p>
           <a:p>
@@ -4287,9 +4374,101 @@
               <a:buChar char="•"/>
             </a:pPr>
             <a:r>
-              <a:rPr lang="en-US" sz="3600" dirty="0"/>
-              <a:t>Make sure that </a:t>
-            </a:r>
+              <a:rPr lang="en-US" sz="2800" dirty="0"/>
+              <a:t>Constraints:</a:t>
+            </a:r>
+          </a:p>
+          <a:p>
+            <a:pPr marL="2139034" lvl="1" indent="-571500">
+              <a:buFont typeface="Arial" panose="020B0604020202020204" pitchFamily="34" charset="0"/>
+              <a:buChar char="•"/>
+            </a:pPr>
+            <a:r>
+              <a:rPr lang="en-US" sz="2800" dirty="0"/>
+              <a:t>13 </a:t>
+            </a:r>
+            <a:r>
+              <a:rPr lang="en-US" sz="2800" dirty="0" err="1"/>
+              <a:t>tyre</a:t>
+            </a:r>
+            <a:r>
+              <a:rPr lang="en-US" sz="2800" dirty="0"/>
+              <a:t> sets available </a:t>
+            </a:r>
+          </a:p>
+          <a:p>
+            <a:pPr marL="2139034" lvl="1" indent="-571500">
+              <a:buFont typeface="Arial" panose="020B0604020202020204" pitchFamily="34" charset="0"/>
+              <a:buChar char="•"/>
+            </a:pPr>
+            <a:r>
+              <a:rPr lang="en-US" sz="2800" dirty="0"/>
+              <a:t>Some </a:t>
+            </a:r>
+            <a:r>
+              <a:rPr lang="en-US" sz="2800" dirty="0" err="1"/>
+              <a:t>tyres</a:t>
+            </a:r>
+            <a:r>
+              <a:rPr lang="en-US" sz="2800" dirty="0"/>
+              <a:t> might be partially used</a:t>
+            </a:r>
+          </a:p>
+          <a:p>
+            <a:pPr marL="571500" indent="-571500">
+              <a:buFont typeface="Arial" panose="020B0604020202020204" pitchFamily="34" charset="0"/>
+              <a:buChar char="•"/>
+            </a:pPr>
+            <a:r>
+              <a:rPr lang="en-US" sz="2800" dirty="0"/>
+              <a:t>Data:</a:t>
+            </a:r>
+          </a:p>
+          <a:p>
+            <a:pPr marL="2139034" lvl="1" indent="-571500">
+              <a:buFont typeface="Arial" panose="020B0604020202020204" pitchFamily="34" charset="0"/>
+              <a:buChar char="•"/>
+            </a:pPr>
+            <a:r>
+              <a:rPr lang="en-US" sz="2800" dirty="0" err="1"/>
+              <a:t>Laptime</a:t>
+            </a:r>
+            <a:r>
+              <a:rPr lang="en-US" sz="2800" dirty="0"/>
+              <a:t> per lap per </a:t>
+            </a:r>
+            <a:r>
+              <a:rPr lang="en-US" sz="2800" dirty="0" err="1"/>
+              <a:t>tyre</a:t>
+            </a:r>
+            <a:r>
+              <a:rPr lang="en-US" sz="2800" dirty="0"/>
+              <a:t> choice</a:t>
+            </a:r>
+          </a:p>
+          <a:p>
+            <a:pPr marL="2139034" lvl="1" indent="-571500">
+              <a:buFont typeface="Arial" panose="020B0604020202020204" pitchFamily="34" charset="0"/>
+              <a:buChar char="•"/>
+            </a:pPr>
+            <a:r>
+              <a:rPr lang="en-US" sz="2800" dirty="0"/>
+              <a:t>Pit stop</a:t>
+            </a:r>
+          </a:p>
+          <a:p>
+            <a:pPr marL="2139034" lvl="1" indent="-571500">
+              <a:buFont typeface="Arial" panose="020B0604020202020204" pitchFamily="34" charset="0"/>
+              <a:buChar char="•"/>
+            </a:pPr>
+            <a:endParaRPr lang="en-US" sz="3600" dirty="0"/>
+          </a:p>
+          <a:p>
+            <a:pPr marL="2139034" lvl="1" indent="-571500">
+              <a:buFont typeface="Arial" panose="020B0604020202020204" pitchFamily="34" charset="0"/>
+              <a:buChar char="•"/>
+            </a:pPr>
+            <a:endParaRPr lang="en-US" sz="3600" dirty="0"/>
           </a:p>
         </p:txBody>
       </p:sp>
@@ -4426,7 +4605,7 @@
         <p:spPr>
           <a:xfrm>
             <a:off x="21765533" y="4683522"/>
-            <a:ext cx="10471668" cy="3416320"/>
+            <a:ext cx="10471668" cy="6740307"/>
           </a:xfrm>
           <a:prstGeom prst="rect">
             <a:avLst/>
@@ -4445,7 +4624,7 @@
             </a:pPr>
             <a:r>
               <a:rPr lang="en-US" sz="3600" dirty="0"/>
-              <a:t>Teams can in real-time or ahead of time, decide on a pit stop strategy and corresponding </a:t>
+              <a:t>Planning - pit stop teams can coordinate with race car drivers to determine a pit stop and </a:t>
             </a:r>
             <a:r>
               <a:rPr lang="en-US" sz="3600" dirty="0" err="1"/>
@@ -4453,15 +4632,7 @@
             </a:r>
             <a:r>
               <a:rPr lang="en-US" sz="3600" dirty="0"/>
-              <a:t> choice based on past data and current </a:t>
-            </a:r>
-            <a:r>
-              <a:rPr lang="en-US" sz="3600" dirty="0" err="1"/>
-              <a:t>tyre</a:t>
-            </a:r>
-            <a:r>
-              <a:rPr lang="en-US" sz="3600" dirty="0"/>
-              <a:t> constraints. </a:t>
+              <a:t> selection strategy ahead of time.</a:t>
             </a:r>
           </a:p>
           <a:p>
@@ -4471,7 +4642,25 @@
             </a:pPr>
             <a:r>
               <a:rPr lang="en-US" sz="3600" dirty="0"/>
-              <a:t>The race car driver can better prepare to </a:t>
+              <a:t>Real-time strategy adaptation – teams can use the optimization model during a race and change strategy as new data or conditions arise. Example: weather affects the lap times of </a:t>
+            </a:r>
+            <a:r>
+              <a:rPr lang="en-US" sz="3600" dirty="0" err="1"/>
+              <a:t>tyres</a:t>
+            </a:r>
+            <a:r>
+              <a:rPr lang="en-US" sz="3600" dirty="0"/>
+              <a:t> and rain could influence the data.</a:t>
+            </a:r>
+          </a:p>
+          <a:p>
+            <a:pPr marL="571500" indent="-571500">
+              <a:buFont typeface="Arial" panose="020B0604020202020204" pitchFamily="34" charset="0"/>
+              <a:buChar char="•"/>
+            </a:pPr>
+            <a:r>
+              <a:rPr lang="en-US" sz="3600" dirty="0"/>
+              <a:t>The strategy obtained by optimization can improve a team’s score and dramatically change the race.</a:t>
             </a:r>
           </a:p>
           <a:p>
@@ -4490,12 +4679,228 @@
           </a:p>
         </p:txBody>
       </p:sp>
+      <p:sp>
+        <p:nvSpPr>
+          <p:cNvPr id="14" name="TextBox 13">
+            <a:extLst>
+              <a:ext uri="{FF2B5EF4-FFF2-40B4-BE49-F238E27FC236}">
+                <a16:creationId xmlns:a16="http://schemas.microsoft.com/office/drawing/2014/main" id="{FD943DD8-8A13-4136-933D-E4AD8C9CA2C6}"/>
+              </a:ext>
+            </a:extLst>
+          </p:cNvPr>
+          <p:cNvSpPr txBox="1"/>
+          <p:nvPr/>
+        </p:nvSpPr>
+        <p:spPr>
+          <a:xfrm>
+            <a:off x="11828282" y="7911420"/>
+            <a:ext cx="9996036" cy="2369880"/>
+          </a:xfrm>
+          <a:prstGeom prst="rect">
+            <a:avLst/>
+          </a:prstGeom>
+          <a:noFill/>
+        </p:spPr>
+        <p:txBody>
+          <a:bodyPr wrap="square" rtlCol="0">
+            <a:spAutoFit/>
+          </a:bodyPr>
+          <a:lstStyle/>
+          <a:p>
+            <a:pPr marL="571500" indent="-571500">
+              <a:buFont typeface="Arial" panose="020B0604020202020204" pitchFamily="34" charset="0"/>
+              <a:buChar char="•"/>
+            </a:pPr>
+            <a:r>
+              <a:rPr lang="en-US" sz="3000" dirty="0" err="1"/>
+              <a:t>Laptimes</a:t>
+            </a:r>
+            <a:r>
+              <a:rPr lang="en-US" sz="3000" dirty="0"/>
+              <a:t> per </a:t>
+            </a:r>
+            <a:r>
+              <a:rPr lang="en-US" sz="3000" dirty="0" err="1"/>
+              <a:t>tyre</a:t>
+            </a:r>
+            <a:r>
+              <a:rPr lang="en-US" sz="3000" dirty="0"/>
+              <a:t> choice were extracted from the data above </a:t>
+            </a:r>
+          </a:p>
+          <a:p>
+            <a:pPr marL="571500" indent="-571500">
+              <a:buFont typeface="Arial" panose="020B0604020202020204" pitchFamily="34" charset="0"/>
+              <a:buChar char="•"/>
+            </a:pPr>
+            <a:r>
+              <a:rPr lang="en-US" sz="3000" dirty="0"/>
+              <a:t>The pit stop time is an average pit stop time</a:t>
+            </a:r>
+          </a:p>
+          <a:p>
+            <a:pPr marL="571500" indent="-571500">
+              <a:buFont typeface="Arial" panose="020B0604020202020204" pitchFamily="34" charset="0"/>
+              <a:buChar char="•"/>
+            </a:pPr>
+            <a:endParaRPr lang="en-US" sz="2600" dirty="0"/>
+          </a:p>
+          <a:p>
+            <a:pPr marL="571500" indent="-571500">
+              <a:buFont typeface="Arial" panose="020B0604020202020204" pitchFamily="34" charset="0"/>
+              <a:buChar char="•"/>
+            </a:pPr>
+            <a:endParaRPr lang="en-US" sz="2600" dirty="0"/>
+          </a:p>
+          <a:p>
+            <a:pPr marL="571500" indent="-571500">
+              <a:buFont typeface="Arial" panose="020B0604020202020204" pitchFamily="34" charset="0"/>
+              <a:buChar char="•"/>
+            </a:pPr>
+            <a:endParaRPr lang="en-US" sz="3600" dirty="0"/>
+          </a:p>
+        </p:txBody>
+      </p:sp>
+      <p:sp>
+        <p:nvSpPr>
+          <p:cNvPr id="31" name="TextBox 30">
+            <a:extLst>
+              <a:ext uri="{FF2B5EF4-FFF2-40B4-BE49-F238E27FC236}">
+                <a16:creationId xmlns:a16="http://schemas.microsoft.com/office/drawing/2014/main" id="{23FA5854-8B16-404C-A6F5-954917146EF4}"/>
+              </a:ext>
+            </a:extLst>
+          </p:cNvPr>
+          <p:cNvSpPr txBox="1"/>
+          <p:nvPr/>
+        </p:nvSpPr>
+        <p:spPr>
+          <a:xfrm>
+            <a:off x="11610025" y="13833317"/>
+            <a:ext cx="4577633" cy="4832092"/>
+          </a:xfrm>
+          <a:prstGeom prst="rect">
+            <a:avLst/>
+          </a:prstGeom>
+          <a:noFill/>
+        </p:spPr>
+        <p:txBody>
+          <a:bodyPr wrap="square" rtlCol="0">
+            <a:spAutoFit/>
+          </a:bodyPr>
+          <a:lstStyle/>
+          <a:p>
+            <a:pPr marL="571500" indent="-571500">
+              <a:buFont typeface="Arial" panose="020B0604020202020204" pitchFamily="34" charset="0"/>
+              <a:buChar char="•"/>
+            </a:pPr>
+            <a:r>
+              <a:rPr lang="en-US" sz="3400" dirty="0" err="1"/>
+              <a:t>Tyre</a:t>
+            </a:r>
+            <a:r>
+              <a:rPr lang="en-US" sz="3400" dirty="0"/>
+              <a:t> choice can shave seconds from a driver’s total time. </a:t>
+            </a:r>
+          </a:p>
+          <a:p>
+            <a:pPr marL="571500" indent="-571500">
+              <a:buFont typeface="Arial" panose="020B0604020202020204" pitchFamily="34" charset="0"/>
+              <a:buChar char="•"/>
+            </a:pPr>
+            <a:r>
+              <a:rPr lang="en-US" sz="3400" dirty="0"/>
+              <a:t>Both drivers did not use the optimal </a:t>
+            </a:r>
+            <a:r>
+              <a:rPr lang="en-US" sz="3400" dirty="0" err="1"/>
+              <a:t>tyre</a:t>
+            </a:r>
+            <a:r>
+              <a:rPr lang="en-US" sz="3400" dirty="0"/>
+              <a:t> choice and could improve their sprint duration.</a:t>
+            </a:r>
+          </a:p>
+          <a:p>
+            <a:pPr marL="571500" indent="-571500">
+              <a:buFont typeface="Arial" panose="020B0604020202020204" pitchFamily="34" charset="0"/>
+              <a:buChar char="•"/>
+            </a:pPr>
+            <a:endParaRPr lang="en-US" sz="3600" dirty="0"/>
+          </a:p>
+        </p:txBody>
+      </p:sp>
+      <p:sp>
+        <p:nvSpPr>
+          <p:cNvPr id="43" name="TextBox 42">
+            <a:extLst>
+              <a:ext uri="{FF2B5EF4-FFF2-40B4-BE49-F238E27FC236}">
+                <a16:creationId xmlns:a16="http://schemas.microsoft.com/office/drawing/2014/main" id="{89519AAF-098C-4FAE-AB24-B2208DFCC575}"/>
+              </a:ext>
+            </a:extLst>
+          </p:cNvPr>
+          <p:cNvSpPr txBox="1"/>
+          <p:nvPr/>
+        </p:nvSpPr>
+        <p:spPr>
+          <a:xfrm>
+            <a:off x="11623747" y="17940813"/>
+            <a:ext cx="9842290" cy="2739211"/>
+          </a:xfrm>
+          <a:prstGeom prst="rect">
+            <a:avLst/>
+          </a:prstGeom>
+          <a:noFill/>
+        </p:spPr>
+        <p:txBody>
+          <a:bodyPr wrap="square" rtlCol="0">
+            <a:spAutoFit/>
+          </a:bodyPr>
+          <a:lstStyle/>
+          <a:p>
+            <a:pPr marL="571500" indent="-571500">
+              <a:buFont typeface="Arial" panose="020B0604020202020204" pitchFamily="34" charset="0"/>
+              <a:buChar char="•"/>
+            </a:pPr>
+            <a:r>
+              <a:rPr lang="en-US" sz="3400" dirty="0"/>
+              <a:t>Norris can improve by 56 seconds.</a:t>
+            </a:r>
+          </a:p>
+          <a:p>
+            <a:pPr marL="571500" indent="-571500">
+              <a:buFont typeface="Arial" panose="020B0604020202020204" pitchFamily="34" charset="0"/>
+              <a:buChar char="•"/>
+            </a:pPr>
+            <a:r>
+              <a:rPr lang="en-US" sz="3400" dirty="0"/>
+              <a:t>Leclerc can improve by 36 seconds.</a:t>
+            </a:r>
+          </a:p>
+          <a:p>
+            <a:pPr marL="571500" indent="-571500">
+              <a:buFont typeface="Arial" panose="020B0604020202020204" pitchFamily="34" charset="0"/>
+              <a:buChar char="•"/>
+            </a:pPr>
+            <a:r>
+              <a:rPr lang="en-US" sz="3400" dirty="0"/>
+              <a:t>All  else equal, Norris could’ve beat Leclerc if he used optimal schedule. </a:t>
+            </a:r>
+          </a:p>
+          <a:p>
+            <a:pPr marL="571500" indent="-571500">
+              <a:buFont typeface="Arial" panose="020B0604020202020204" pitchFamily="34" charset="0"/>
+              <a:buChar char="•"/>
+            </a:pPr>
+            <a:endParaRPr lang="en-US" sz="3600" dirty="0"/>
+          </a:p>
+        </p:txBody>
+      </p:sp>
       <p:pic>
         <p:nvPicPr>
-          <p:cNvPr id="11" name="Picture 10">
+          <p:cNvPr id="44" name="Picture 43">
             <a:extLst>
               <a:ext uri="{FF2B5EF4-FFF2-40B4-BE49-F238E27FC236}">
-                <a16:creationId xmlns:a16="http://schemas.microsoft.com/office/drawing/2014/main" id="{B56D0283-C62B-44B3-999E-25FC51C7BF94}"/>
+                <a16:creationId xmlns:a16="http://schemas.microsoft.com/office/drawing/2014/main" id="{4E83A762-A8B5-4EC0-B952-19E6841D6261}"/>
               </a:ext>
             </a:extLst>
           </p:cNvPr>
@@ -4518,8 +4923,8 @@
         </p:blipFill>
         <p:spPr>
           <a:xfrm>
-            <a:off x="12496800" y="4724400"/>
-            <a:ext cx="3872718" cy="2877439"/>
+            <a:off x="11566538" y="10306929"/>
+            <a:ext cx="10151824" cy="3790536"/>
           </a:xfrm>
           <a:prstGeom prst="rect">
             <a:avLst/>
@@ -4528,10 +4933,10 @@
       </p:pic>
       <p:pic>
         <p:nvPicPr>
-          <p:cNvPr id="13" name="Picture 12">
+          <p:cNvPr id="46" name="Picture 45">
             <a:extLst>
               <a:ext uri="{FF2B5EF4-FFF2-40B4-BE49-F238E27FC236}">
-                <a16:creationId xmlns:a16="http://schemas.microsoft.com/office/drawing/2014/main" id="{6BAF0DB1-DD57-4C17-8EBA-BD23DA379959}"/>
+                <a16:creationId xmlns:a16="http://schemas.microsoft.com/office/drawing/2014/main" id="{FBCA8353-6919-40F3-A4E1-62BB0D515BB5}"/>
               </a:ext>
             </a:extLst>
           </p:cNvPr>
@@ -4554,94 +4959,20 @@
         </p:blipFill>
         <p:spPr>
           <a:xfrm>
-            <a:off x="16992600" y="4724401"/>
-            <a:ext cx="3999382" cy="2971550"/>
+            <a:off x="12200263" y="4878328"/>
+            <a:ext cx="4106537" cy="3051167"/>
           </a:xfrm>
           <a:prstGeom prst="rect">
             <a:avLst/>
           </a:prstGeom>
         </p:spPr>
       </p:pic>
-      <p:sp>
-        <p:nvSpPr>
-          <p:cNvPr id="14" name="TextBox 13">
+      <p:pic>
+        <p:nvPicPr>
+          <p:cNvPr id="48" name="Picture 47">
             <a:extLst>
               <a:ext uri="{FF2B5EF4-FFF2-40B4-BE49-F238E27FC236}">
-                <a16:creationId xmlns:a16="http://schemas.microsoft.com/office/drawing/2014/main" id="{FD943DD8-8A13-4136-933D-E4AD8C9CA2C6}"/>
-              </a:ext>
-            </a:extLst>
-          </p:cNvPr>
-          <p:cNvSpPr txBox="1"/>
-          <p:nvPr/>
-        </p:nvSpPr>
-        <p:spPr>
-          <a:xfrm>
-            <a:off x="11828282" y="7812257"/>
-            <a:ext cx="9996036" cy="2246769"/>
-          </a:xfrm>
-          <a:prstGeom prst="rect">
-            <a:avLst/>
-          </a:prstGeom>
-          <a:noFill/>
-        </p:spPr>
-        <p:txBody>
-          <a:bodyPr wrap="square" rtlCol="0">
-            <a:spAutoFit/>
-          </a:bodyPr>
-          <a:lstStyle/>
-          <a:p>
-            <a:pPr marL="571500" indent="-571500">
-              <a:buFont typeface="Arial" panose="020B0604020202020204" pitchFamily="34" charset="0"/>
-              <a:buChar char="•"/>
-            </a:pPr>
-            <a:r>
-              <a:rPr lang="en-US" sz="2600" dirty="0" err="1"/>
-              <a:t>Laptimes</a:t>
-            </a:r>
-            <a:r>
-              <a:rPr lang="en-US" sz="2600" dirty="0"/>
-              <a:t> per  were extracted from the data above </a:t>
-            </a:r>
-          </a:p>
-          <a:p>
-            <a:pPr marL="571500" indent="-571500">
-              <a:buFont typeface="Arial" panose="020B0604020202020204" pitchFamily="34" charset="0"/>
-              <a:buChar char="•"/>
-            </a:pPr>
-            <a:r>
-              <a:rPr lang="en-US" sz="2600" dirty="0"/>
-              <a:t>The pit stop time is an average pit stop time</a:t>
-            </a:r>
-          </a:p>
-          <a:p>
-            <a:pPr marL="571500" indent="-571500">
-              <a:buFont typeface="Arial" panose="020B0604020202020204" pitchFamily="34" charset="0"/>
-              <a:buChar char="•"/>
-            </a:pPr>
-            <a:endParaRPr lang="en-US" sz="2600" dirty="0"/>
-          </a:p>
-          <a:p>
-            <a:pPr marL="571500" indent="-571500">
-              <a:buFont typeface="Arial" panose="020B0604020202020204" pitchFamily="34" charset="0"/>
-              <a:buChar char="•"/>
-            </a:pPr>
-            <a:endParaRPr lang="en-US" sz="2600" dirty="0"/>
-          </a:p>
-          <a:p>
-            <a:pPr marL="571500" indent="-571500">
-              <a:buFont typeface="Arial" panose="020B0604020202020204" pitchFamily="34" charset="0"/>
-              <a:buChar char="•"/>
-            </a:pPr>
-            <a:endParaRPr lang="en-US" sz="3600" dirty="0"/>
-          </a:p>
-        </p:txBody>
-      </p:sp>
-      <p:pic>
-        <p:nvPicPr>
-          <p:cNvPr id="16" name="Picture 15">
-            <a:extLst>
-              <a:ext uri="{FF2B5EF4-FFF2-40B4-BE49-F238E27FC236}">
-                <a16:creationId xmlns:a16="http://schemas.microsoft.com/office/drawing/2014/main" id="{55829A46-DA92-4920-A9D5-0D263766C3C5}"/>
+                <a16:creationId xmlns:a16="http://schemas.microsoft.com/office/drawing/2014/main" id="{4CDC52AB-F328-4671-B048-886BBAF47770}"/>
               </a:ext>
             </a:extLst>
           </p:cNvPr>
@@ -4664,73 +4995,20 @@
         </p:blipFill>
         <p:spPr>
           <a:xfrm>
-            <a:off x="16041305" y="14630400"/>
-            <a:ext cx="5446188" cy="4052393"/>
+            <a:off x="16772263" y="4878328"/>
+            <a:ext cx="4106537" cy="3051167"/>
           </a:xfrm>
           <a:prstGeom prst="rect">
             <a:avLst/>
           </a:prstGeom>
         </p:spPr>
       </p:pic>
-      <p:sp>
-        <p:nvSpPr>
-          <p:cNvPr id="31" name="TextBox 30">
+      <p:pic>
+        <p:nvPicPr>
+          <p:cNvPr id="50" name="Picture 49">
             <a:extLst>
               <a:ext uri="{FF2B5EF4-FFF2-40B4-BE49-F238E27FC236}">
-                <a16:creationId xmlns:a16="http://schemas.microsoft.com/office/drawing/2014/main" id="{23FA5854-8B16-404C-A6F5-954917146EF4}"/>
-              </a:ext>
-            </a:extLst>
-          </p:cNvPr>
-          <p:cNvSpPr txBox="1"/>
-          <p:nvPr/>
-        </p:nvSpPr>
-        <p:spPr>
-          <a:xfrm>
-            <a:off x="11513799" y="14630400"/>
-            <a:ext cx="4577633" cy="3416320"/>
-          </a:xfrm>
-          <a:prstGeom prst="rect">
-            <a:avLst/>
-          </a:prstGeom>
-          <a:noFill/>
-        </p:spPr>
-        <p:txBody>
-          <a:bodyPr wrap="square" rtlCol="0">
-            <a:spAutoFit/>
-          </a:bodyPr>
-          <a:lstStyle/>
-          <a:p>
-            <a:pPr marL="571500" indent="-571500">
-              <a:buFont typeface="Arial" panose="020B0604020202020204" pitchFamily="34" charset="0"/>
-              <a:buChar char="•"/>
-            </a:pPr>
-            <a:r>
-              <a:rPr lang="en-US" sz="3600" dirty="0" err="1"/>
-              <a:t>Tyre</a:t>
-            </a:r>
-            <a:r>
-              <a:rPr lang="en-US" sz="3600" dirty="0"/>
-              <a:t> choice can shave seconds from a driver’s total time</a:t>
-            </a:r>
-          </a:p>
-          <a:p>
-            <a:pPr marL="571500" indent="-571500">
-              <a:buFont typeface="Arial" panose="020B0604020202020204" pitchFamily="34" charset="0"/>
-              <a:buChar char="•"/>
-            </a:pPr>
-            <a:r>
-              <a:rPr lang="en-US" sz="3600" dirty="0"/>
-              <a:t>Seconds can influence the difference between</a:t>
-            </a:r>
-          </a:p>
-        </p:txBody>
-      </p:sp>
-      <p:pic>
-        <p:nvPicPr>
-          <p:cNvPr id="37" name="Picture 36">
-            <a:extLst>
-              <a:ext uri="{FF2B5EF4-FFF2-40B4-BE49-F238E27FC236}">
-                <a16:creationId xmlns:a16="http://schemas.microsoft.com/office/drawing/2014/main" id="{0959B47B-52D2-475E-9D51-C043EEC673EA}"/>
+                <a16:creationId xmlns:a16="http://schemas.microsoft.com/office/drawing/2014/main" id="{177EBF4C-DEA5-41DE-A963-966CB8E9B724}"/>
               </a:ext>
             </a:extLst>
           </p:cNvPr>
@@ -4753,8 +5031,8 @@
         </p:blipFill>
         <p:spPr>
           <a:xfrm>
-            <a:off x="11523088" y="10179281"/>
-            <a:ext cx="10140585" cy="3756156"/>
+            <a:off x="16297419" y="14173200"/>
+            <a:ext cx="5094267" cy="3790536"/>
           </a:xfrm>
           <a:prstGeom prst="rect">
             <a:avLst/>

--- a/6.7201 Poster.pptx
+++ b/6.7201 Poster.pptx
@@ -4897,10 +4897,10 @@
       </p:sp>
       <p:pic>
         <p:nvPicPr>
-          <p:cNvPr id="44" name="Picture 43">
+          <p:cNvPr id="46" name="Picture 45">
             <a:extLst>
               <a:ext uri="{FF2B5EF4-FFF2-40B4-BE49-F238E27FC236}">
-                <a16:creationId xmlns:a16="http://schemas.microsoft.com/office/drawing/2014/main" id="{4E83A762-A8B5-4EC0-B952-19E6841D6261}"/>
+                <a16:creationId xmlns:a16="http://schemas.microsoft.com/office/drawing/2014/main" id="{FBCA8353-6919-40F3-A4E1-62BB0D515BB5}"/>
               </a:ext>
             </a:extLst>
           </p:cNvPr>
@@ -4923,8 +4923,8 @@
         </p:blipFill>
         <p:spPr>
           <a:xfrm>
-            <a:off x="11566538" y="10306929"/>
-            <a:ext cx="10151824" cy="3790536"/>
+            <a:off x="12200263" y="4878328"/>
+            <a:ext cx="4106537" cy="3051167"/>
           </a:xfrm>
           <a:prstGeom prst="rect">
             <a:avLst/>
@@ -4933,10 +4933,10 @@
       </p:pic>
       <p:pic>
         <p:nvPicPr>
-          <p:cNvPr id="46" name="Picture 45">
+          <p:cNvPr id="48" name="Picture 47">
             <a:extLst>
               <a:ext uri="{FF2B5EF4-FFF2-40B4-BE49-F238E27FC236}">
-                <a16:creationId xmlns:a16="http://schemas.microsoft.com/office/drawing/2014/main" id="{FBCA8353-6919-40F3-A4E1-62BB0D515BB5}"/>
+                <a16:creationId xmlns:a16="http://schemas.microsoft.com/office/drawing/2014/main" id="{4CDC52AB-F328-4671-B048-886BBAF47770}"/>
               </a:ext>
             </a:extLst>
           </p:cNvPr>
@@ -4959,7 +4959,7 @@
         </p:blipFill>
         <p:spPr>
           <a:xfrm>
-            <a:off x="12200263" y="4878328"/>
+            <a:off x="16772263" y="4878328"/>
             <a:ext cx="4106537" cy="3051167"/>
           </a:xfrm>
           <a:prstGeom prst="rect">
@@ -4969,10 +4969,10 @@
       </p:pic>
       <p:pic>
         <p:nvPicPr>
-          <p:cNvPr id="48" name="Picture 47">
+          <p:cNvPr id="50" name="Picture 49">
             <a:extLst>
               <a:ext uri="{FF2B5EF4-FFF2-40B4-BE49-F238E27FC236}">
-                <a16:creationId xmlns:a16="http://schemas.microsoft.com/office/drawing/2014/main" id="{4CDC52AB-F328-4671-B048-886BBAF47770}"/>
+                <a16:creationId xmlns:a16="http://schemas.microsoft.com/office/drawing/2014/main" id="{177EBF4C-DEA5-41DE-A963-966CB8E9B724}"/>
               </a:ext>
             </a:extLst>
           </p:cNvPr>
@@ -4995,8 +4995,8 @@
         </p:blipFill>
         <p:spPr>
           <a:xfrm>
-            <a:off x="16772263" y="4878328"/>
-            <a:ext cx="4106537" cy="3051167"/>
+            <a:off x="16297419" y="14173200"/>
+            <a:ext cx="5094267" cy="3790536"/>
           </a:xfrm>
           <a:prstGeom prst="rect">
             <a:avLst/>
@@ -5005,10 +5005,10 @@
       </p:pic>
       <p:pic>
         <p:nvPicPr>
-          <p:cNvPr id="50" name="Picture 49">
+          <p:cNvPr id="52" name="Picture 51">
             <a:extLst>
               <a:ext uri="{FF2B5EF4-FFF2-40B4-BE49-F238E27FC236}">
-                <a16:creationId xmlns:a16="http://schemas.microsoft.com/office/drawing/2014/main" id="{177EBF4C-DEA5-41DE-A963-966CB8E9B724}"/>
+                <a16:creationId xmlns:a16="http://schemas.microsoft.com/office/drawing/2014/main" id="{704A25DC-786D-410A-BB64-4E5422C3E591}"/>
               </a:ext>
             </a:extLst>
           </p:cNvPr>
@@ -5031,8 +5031,8 @@
         </p:blipFill>
         <p:spPr>
           <a:xfrm>
-            <a:off x="16297419" y="14173200"/>
-            <a:ext cx="5094267" cy="3790536"/>
+            <a:off x="11511523" y="10243520"/>
+            <a:ext cx="10219659" cy="3815865"/>
           </a:xfrm>
           <a:prstGeom prst="rect">
             <a:avLst/>

--- a/6.7201 Poster.pptx
+++ b/6.7201 Poster.pptx
@@ -211,7 +211,7 @@
           <a:p>
             <a:fld id="{890071B7-4BD8-8145-82BE-2A6C42B82778}" type="datetime1">
               <a:rPr lang="en-US" smtClean="0"/>
-              <a:t>12/8/2022</a:t>
+              <a:t>12/9/2022</a:t>
             </a:fld>
             <a:endParaRPr lang="en-US"/>
           </a:p>
@@ -380,7 +380,7 @@
           <a:p>
             <a:fld id="{7391307E-C702-714D-87CE-7789B0B8B84B}" type="datetime1">
               <a:rPr lang="en-US" smtClean="0"/>
-              <a:t>12/8/2022</a:t>
+              <a:t>12/9/2022</a:t>
             </a:fld>
             <a:endParaRPr lang="en-US"/>
           </a:p>
@@ -4194,7 +4194,15 @@
             </a:pPr>
             <a:r>
               <a:rPr lang="en-US" sz="2800" dirty="0"/>
-              <a:t>The optimization problem has </a:t>
+              <a:t>The optimization problem can be used in planning </a:t>
+            </a:r>
+            <a:r>
+              <a:rPr lang="en-US" sz="2800"/>
+              <a:t>or in real-time</a:t>
+            </a:r>
+            <a:r>
+              <a:rPr lang="en-US" sz="2800" dirty="0"/>
+              <a:t>.</a:t>
             </a:r>
           </a:p>
           <a:p>

--- a/6.7201 Poster.pptx
+++ b/6.7201 Poster.pptx
@@ -4137,7 +4137,7 @@
         <p:spPr>
           <a:xfrm>
             <a:off x="830241" y="4709535"/>
-            <a:ext cx="10628729" cy="3539430"/>
+            <a:ext cx="10628729" cy="2677656"/>
           </a:xfrm>
           <a:prstGeom prst="rect">
             <a:avLst/>
@@ -4156,7 +4156,15 @@
             </a:pPr>
             <a:r>
               <a:rPr lang="en-US" sz="2800" dirty="0"/>
-              <a:t>We formulated and implemented a binary optimization problem that minimizes the sprint duration time of a Formula One racing session.</a:t>
+              <a:t>The goal of this project is to schedule the optimal pit stop strategy and </a:t>
+            </a:r>
+            <a:r>
+              <a:rPr lang="en-US" sz="2800" dirty="0" err="1"/>
+              <a:t>tyre</a:t>
+            </a:r>
+            <a:r>
+              <a:rPr lang="en-US" sz="2800" dirty="0"/>
+              <a:t> choice for a Formula One racing session.</a:t>
             </a:r>
           </a:p>
           <a:p>
@@ -4166,15 +4174,7 @@
             </a:pPr>
             <a:r>
               <a:rPr lang="en-US" sz="2800" dirty="0"/>
-              <a:t>The output is an optimal pit stop strategy and </a:t>
-            </a:r>
-            <a:r>
-              <a:rPr lang="en-US" sz="2800" dirty="0" err="1"/>
-              <a:t>tyre</a:t>
-            </a:r>
-            <a:r>
-              <a:rPr lang="en-US" sz="2800" dirty="0"/>
-              <a:t> choice that minimizes the sprint duration time of a Formula One racing session.</a:t>
+              <a:t>We formulated and implemented a binary optimization problem that minimizes the duration time of a Formula One racing session.</a:t>
             </a:r>
           </a:p>
           <a:p>
@@ -4184,33 +4184,8 @@
             </a:pPr>
             <a:r>
               <a:rPr lang="en-US" sz="2800" dirty="0"/>
-              <a:t>We tested it for two drivers in the 2022 Hungary, Budapest and found that an optimal schedule will shorten their sprint duration.</a:t>
-            </a:r>
-          </a:p>
-          <a:p>
-            <a:pPr marL="571500" indent="-571500">
-              <a:buFont typeface="Arial" panose="020B0604020202020204" pitchFamily="34" charset="0"/>
-              <a:buChar char="•"/>
-            </a:pPr>
-            <a:r>
-              <a:rPr lang="en-US" sz="2800" dirty="0"/>
-              <a:t>The optimization problem can be used in planning </a:t>
-            </a:r>
-            <a:r>
-              <a:rPr lang="en-US" sz="2800"/>
-              <a:t>or in real-time</a:t>
-            </a:r>
-            <a:r>
-              <a:rPr lang="en-US" sz="2800" dirty="0"/>
-              <a:t>.</a:t>
-            </a:r>
-          </a:p>
-          <a:p>
-            <a:pPr marL="571500" indent="-571500">
-              <a:buFont typeface="Arial" panose="020B0604020202020204" pitchFamily="34" charset="0"/>
-              <a:buChar char="•"/>
-            </a:pPr>
-            <a:endParaRPr lang="en-US" sz="2800" dirty="0"/>
+              <a:t>We tested it for two drivers in the 2022 Hungary, Budapest and found that an optimal schedule will shorten their race duration.</a:t>
+            </a:r>
           </a:p>
         </p:txBody>
       </p:sp>
@@ -4228,8 +4203,8 @@
         </p:nvSpPr>
         <p:spPr>
           <a:xfrm>
-            <a:off x="649694" y="14742440"/>
-            <a:ext cx="10512489" cy="5078313"/>
+            <a:off x="649694" y="15019702"/>
+            <a:ext cx="10512489" cy="4031873"/>
           </a:xfrm>
           <a:prstGeom prst="rect">
             <a:avLst/>
@@ -4247,8 +4222,8 @@
               <a:buChar char="•"/>
             </a:pPr>
             <a:r>
-              <a:rPr lang="en-US" sz="3600" dirty="0"/>
-              <a:t>To increase our chance of winning a race, or at least rank as high as possible.</a:t>
+              <a:rPr lang="en-US" sz="3200" dirty="0"/>
+              <a:t>In a Formula One race every tenth of second counts</a:t>
             </a:r>
           </a:p>
           <a:p>
@@ -4257,8 +4232,16 @@
               <a:buChar char="•"/>
             </a:pPr>
             <a:r>
-              <a:rPr lang="en-US" sz="3600" dirty="0"/>
-              <a:t>To increase our chance of placing higher in the qualifying session to gain an advantage in the actual race.</a:t>
+              <a:rPr lang="en-US" sz="3200" dirty="0"/>
+              <a:t>Find the optimal spot during </a:t>
+            </a:r>
+            <a:r>
+              <a:rPr lang="en-US" sz="3200" dirty="0" err="1"/>
+              <a:t>tyre</a:t>
+            </a:r>
+            <a:r>
+              <a:rPr lang="en-US" sz="3200" dirty="0"/>
+              <a:t> degradation to pit</a:t>
             </a:r>
           </a:p>
           <a:p>
@@ -4267,8 +4250,8 @@
               <a:buChar char="•"/>
             </a:pPr>
             <a:r>
-              <a:rPr lang="en-US" sz="3600" dirty="0"/>
-              <a:t>Enumerating choices is too slow – billions of choices to evaluate!</a:t>
+              <a:rPr lang="en-US" sz="3200" dirty="0"/>
+              <a:t>Save time</a:t>
             </a:r>
           </a:p>
           <a:p>
@@ -4277,8 +4260,8 @@
               <a:buChar char="•"/>
             </a:pPr>
             <a:r>
-              <a:rPr lang="en-US" sz="3600" dirty="0"/>
-              <a:t>Sponsorship money.</a:t>
+              <a:rPr lang="en-US" sz="3200" dirty="0"/>
+              <a:t>Win races and prize money</a:t>
             </a:r>
           </a:p>
           <a:p>
@@ -4287,8 +4270,18 @@
               <a:buChar char="•"/>
             </a:pPr>
             <a:r>
-              <a:rPr lang="en-US" sz="3600" dirty="0"/>
-              <a:t>Fame and Glory!</a:t>
+              <a:rPr lang="en-US" sz="3200" dirty="0"/>
+              <a:t>Attract sponsorships</a:t>
+            </a:r>
+          </a:p>
+          <a:p>
+            <a:pPr marL="571500" indent="-571500">
+              <a:buFont typeface="Arial" panose="020B0604020202020204" pitchFamily="34" charset="0"/>
+              <a:buChar char="•"/>
+            </a:pPr>
+            <a:r>
+              <a:rPr lang="en-US" sz="3200" dirty="0"/>
+              <a:t>Simply enumerating choices is too slow – billions of choices to evaluate! Optimization model solves in seconds. Allows for real-time use of the model.</a:t>
             </a:r>
           </a:p>
         </p:txBody>
@@ -4308,7 +4301,7 @@
         <p:spPr>
           <a:xfrm>
             <a:off x="745027" y="8793424"/>
-            <a:ext cx="10635413" cy="5940088"/>
+            <a:ext cx="10635413" cy="5509200"/>
           </a:xfrm>
           <a:prstGeom prst="rect">
             <a:avLst/>
@@ -4327,7 +4320,7 @@
             </a:pPr>
             <a:r>
               <a:rPr lang="en-US" sz="2800" dirty="0"/>
-              <a:t>Objective: Minimize the sprint duration </a:t>
+              <a:t>Objective: Minimize the race duration for one isolated driver</a:t>
             </a:r>
           </a:p>
           <a:p>
@@ -4347,7 +4340,19 @@
             </a:pPr>
             <a:r>
               <a:rPr lang="en-US" sz="2800" dirty="0"/>
-              <a:t>Choice to pit stop for 22 seconds after every lap</a:t>
+              <a:t>Choice to pit stop for </a:t>
+            </a:r>
+            <a:r>
+              <a:rPr lang="el-GR" sz="2800" dirty="0"/>
+              <a:t>Δ</a:t>
+            </a:r>
+            <a:r>
+              <a:rPr lang="fr-FR" sz="2800" dirty="0"/>
+              <a:t>t</a:t>
+            </a:r>
+            <a:r>
+              <a:rPr lang="en-US" sz="2800" dirty="0"/>
+              <a:t> seconds after every lap</a:t>
             </a:r>
           </a:p>
           <a:p>
@@ -4361,19 +4366,11 @@
             </a:r>
             <a:r>
               <a:rPr lang="en-US" sz="2800" dirty="0" err="1"/>
-              <a:t>tyres</a:t>
+              <a:t>tyre</a:t>
             </a:r>
             <a:r>
               <a:rPr lang="en-US" sz="2800" dirty="0"/>
-              <a:t> from a set of available </a:t>
-            </a:r>
-            <a:r>
-              <a:rPr lang="en-US" sz="2800" dirty="0" err="1"/>
-              <a:t>tyres</a:t>
-            </a:r>
-            <a:r>
-              <a:rPr lang="en-US" sz="2800" dirty="0"/>
-              <a:t> to replace during a pit stop</a:t>
+              <a:t> compound</a:t>
             </a:r>
           </a:p>
           <a:p>
@@ -4461,7 +4458,7 @@
             </a:pPr>
             <a:r>
               <a:rPr lang="en-US" sz="2800" dirty="0"/>
-              <a:t>Pit stop</a:t>
+              <a:t>Pit stop duration</a:t>
             </a:r>
           </a:p>
           <a:p>
@@ -4494,8 +4491,8 @@
         </p:nvSpPr>
         <p:spPr>
           <a:xfrm>
-            <a:off x="21787724" y="11948187"/>
-            <a:ext cx="10609336" cy="8402300"/>
+            <a:off x="21867417" y="12617000"/>
+            <a:ext cx="10609336" cy="5570756"/>
           </a:xfrm>
           <a:prstGeom prst="rect">
             <a:avLst/>
@@ -4513,14 +4510,44 @@
               <a:buChar char="•"/>
             </a:pPr>
             <a:r>
-              <a:rPr lang="en-US" sz="3600" dirty="0"/>
-              <a:t>Obtain realistic time estimates from a formula one simulator and generate a better data set.</a:t>
+              <a:rPr lang="en-US" sz="3200" dirty="0"/>
+              <a:t>Incorporate robust optimization modeling to introduce uncertainties in the data. Uncertainties can come from:</a:t>
+            </a:r>
+          </a:p>
+          <a:p>
+            <a:pPr marL="2139034" lvl="1" indent="-571500">
+              <a:buFont typeface="Arial" panose="020B0604020202020204" pitchFamily="34" charset="0"/>
+              <a:buChar char="•"/>
+            </a:pPr>
+            <a:r>
+              <a:rPr lang="en-US" sz="3200" dirty="0"/>
+              <a:t>Weather conditions.</a:t>
+            </a:r>
+          </a:p>
+          <a:p>
+            <a:pPr marL="2139034" lvl="1" indent="-571500">
+              <a:buFont typeface="Arial" panose="020B0604020202020204" pitchFamily="34" charset="0"/>
+              <a:buChar char="•"/>
+            </a:pPr>
+            <a:r>
+              <a:rPr lang="en-US" sz="3200" dirty="0"/>
+              <a:t>Crashes from other drivers and road obstructions. </a:t>
+            </a:r>
+          </a:p>
+          <a:p>
+            <a:pPr marL="2139034" lvl="1" indent="-571500">
+              <a:buFont typeface="Arial" panose="020B0604020202020204" pitchFamily="34" charset="0"/>
+              <a:buChar char="•"/>
+            </a:pPr>
+            <a:r>
+              <a:rPr lang="en-US" sz="3200" dirty="0"/>
+              <a:t>Other </a:t>
             </a:r>
           </a:p>
           <a:p>
             <a:pPr algn="ctr"/>
             <a:r>
-              <a:rPr lang="en-US" sz="3600" dirty="0"/>
+              <a:rPr lang="en-US" sz="3200" dirty="0"/>
               <a:t>OR</a:t>
             </a:r>
           </a:p>
@@ -4530,62 +4557,15 @@
               <a:buChar char="•"/>
             </a:pPr>
             <a:r>
-              <a:rPr lang="en-US" sz="3600" dirty="0"/>
-              <a:t>Incorporate robust optimization modeling to introduce uncertainties in the data. Uncertainties can come from:</a:t>
-            </a:r>
-          </a:p>
-          <a:p>
-            <a:pPr marL="2139034" lvl="1" indent="-571500">
-              <a:buFont typeface="Arial" panose="020B0604020202020204" pitchFamily="34" charset="0"/>
-              <a:buChar char="•"/>
-            </a:pPr>
-            <a:r>
-              <a:rPr lang="en-US" sz="3600" dirty="0"/>
-              <a:t>Weather conditions.</a:t>
-            </a:r>
-          </a:p>
-          <a:p>
-            <a:pPr marL="2139034" lvl="1" indent="-571500">
-              <a:buFont typeface="Arial" panose="020B0604020202020204" pitchFamily="34" charset="0"/>
-              <a:buChar char="•"/>
-            </a:pPr>
-            <a:r>
-              <a:rPr lang="en-US" sz="3600" dirty="0"/>
-              <a:t>Crashes from other drivers and road obstructions. </a:t>
-            </a:r>
-          </a:p>
-          <a:p>
-            <a:pPr marL="2139034" lvl="1" indent="-571500">
-              <a:buFont typeface="Arial" panose="020B0604020202020204" pitchFamily="34" charset="0"/>
-              <a:buChar char="•"/>
-            </a:pPr>
-            <a:r>
-              <a:rPr lang="en-US" sz="3600" dirty="0"/>
-              <a:t>Other </a:t>
-            </a:r>
-          </a:p>
-          <a:p>
-            <a:pPr algn="ctr"/>
-            <a:r>
-              <a:rPr lang="en-US" sz="3600" dirty="0"/>
-              <a:t>OR</a:t>
-            </a:r>
-          </a:p>
-          <a:p>
-            <a:pPr marL="571500" indent="-571500">
-              <a:buFont typeface="Arial" panose="020B0604020202020204" pitchFamily="34" charset="0"/>
-              <a:buChar char="•"/>
-            </a:pPr>
-            <a:r>
-              <a:rPr lang="en-US" sz="3600" dirty="0"/>
+              <a:rPr lang="en-US" sz="3200" dirty="0"/>
               <a:t>Introduce non-linearity into data from the weight of the vehicle getting lighter due to fuel consumption, which depends on the previous </a:t>
             </a:r>
             <a:r>
-              <a:rPr lang="en-US" sz="3600" dirty="0" err="1"/>
+              <a:rPr lang="en-US" sz="3200" dirty="0" err="1"/>
               <a:t>tyre</a:t>
             </a:r>
             <a:r>
-              <a:rPr lang="en-US" sz="3600" dirty="0"/>
+              <a:rPr lang="en-US" sz="3200" dirty="0"/>
               <a:t> choices since the fuel consumption depends on the elapsed time. </a:t>
             </a:r>
           </a:p>
@@ -4701,8 +4681,8 @@
         </p:nvSpPr>
         <p:spPr>
           <a:xfrm>
-            <a:off x="11828282" y="7911420"/>
-            <a:ext cx="9996036" cy="2369880"/>
+            <a:off x="11828282" y="7748568"/>
+            <a:ext cx="9996036" cy="2831544"/>
           </a:xfrm>
           <a:prstGeom prst="rect">
             <a:avLst/>
@@ -4733,7 +4713,7 @@
             </a:r>
             <a:r>
               <a:rPr lang="en-US" sz="3000" dirty="0"/>
-              <a:t> choice were extracted from the data above </a:t>
+              <a:t> type were extracted from real race data using linear regression</a:t>
             </a:r>
           </a:p>
           <a:p>
@@ -4817,7 +4797,7 @@
             </a:pPr>
             <a:r>
               <a:rPr lang="en-US" sz="3400" dirty="0"/>
-              <a:t>Both drivers did not use the optimal </a:t>
+              <a:t>If both drivers had used the optimal </a:t>
             </a:r>
             <a:r>
               <a:rPr lang="en-US" sz="3400" dirty="0" err="1"/>
@@ -4825,7 +4805,7 @@
             </a:r>
             <a:r>
               <a:rPr lang="en-US" sz="3400" dirty="0"/>
-              <a:t> choice and could improve their sprint duration.</a:t>
+              <a:t> choice, they could have improved their sprint duration.</a:t>
             </a:r>
           </a:p>
           <a:p>
@@ -4852,7 +4832,7 @@
         <p:spPr>
           <a:xfrm>
             <a:off x="11623747" y="17940813"/>
-            <a:ext cx="9842290" cy="2739211"/>
+            <a:ext cx="9842290" cy="2246769"/>
           </a:xfrm>
           <a:prstGeom prst="rect">
             <a:avLst/>
@@ -4891,15 +4871,8 @@
             </a:pPr>
             <a:r>
               <a:rPr lang="en-US" sz="3400" dirty="0"/>
-              <a:t>All  else equal, Norris could’ve beat Leclerc if he used optimal schedule. </a:t>
-            </a:r>
-          </a:p>
-          <a:p>
-            <a:pPr marL="571500" indent="-571500">
-              <a:buFont typeface="Arial" panose="020B0604020202020204" pitchFamily="34" charset="0"/>
-              <a:buChar char="•"/>
-            </a:pPr>
-            <a:endParaRPr lang="en-US" sz="3600" dirty="0"/>
+              <a:t>Optimal strategy predicted resembles strategy of race winner</a:t>
+            </a:r>
           </a:p>
         </p:txBody>
       </p:sp>
